--- a/format-encodings/slide_presentations/.hidden/introduction-to-encodings.pptx
+++ b/format-encodings/slide_presentations/.hidden/introduction-to-encodings.pptx
@@ -23185,7 +23185,7 @@
         </p:nvSpPr>
         <p:spPr>
           <a:xfrm>
-            <a:off x="6296100" y="-101259"/>
+            <a:off x="6144900" y="1489791"/>
             <a:ext cx="2847900" cy="1436100"/>
           </a:xfrm>
           <a:prstGeom prst="rect">
@@ -28709,7 +28709,7 @@
         </p:nvSpPr>
         <p:spPr>
           <a:xfrm>
-            <a:off x="1408612" y="499897"/>
+            <a:off x="1506475" y="112885"/>
             <a:ext cx="6778800" cy="652200"/>
           </a:xfrm>
           <a:prstGeom prst="rect">

--- a/format-encodings/slide_presentations/.hidden/introduction-to-encodings.pptx
+++ b/format-encodings/slide_presentations/.hidden/introduction-to-encodings.pptx
@@ -1598,7 +1598,7 @@
         </p:nvSpPr>
         <p:spPr>
           <a:xfrm>
-            <a:off x="381300" y="685800"/>
+            <a:off x="381000" y="685800"/>
             <a:ext cx="6096000" cy="3429000"/>
           </a:xfrm>
           <a:custGeom>
@@ -23185,7 +23185,7 @@
         </p:nvSpPr>
         <p:spPr>
           <a:xfrm>
-            <a:off x="6144900" y="1489791"/>
+            <a:off x="6296100" y="15280"/>
             <a:ext cx="2847900" cy="1436100"/>
           </a:xfrm>
           <a:prstGeom prst="rect">
@@ -24814,8 +24814,12 @@
               <a:buNone/>
             </a:pPr>
             <a:r>
+              <a:rPr lang="en" dirty="0"/>
+              <a:t>Extended ASCII and </a:t>
+            </a:r>
+            <a:r>
               <a:rPr lang="en"/>
-              <a:t>Extended ASCII and UTF-8</a:t>
+              <a:t>UTF-8 encoding</a:t>
             </a:r>
             <a:endParaRPr/>
           </a:p>
@@ -24829,7 +24833,7 @@
               </a:spcAft>
               <a:buNone/>
             </a:pPr>
-            <a:endParaRPr/>
+            <a:endParaRPr dirty="0"/>
           </a:p>
         </p:txBody>
       </p:sp>
